--- a/Lectures/CS418-Lecture11-SurfaceNormals.pptx
+++ b/Lectures/CS418-Lecture11-SurfaceNormals.pptx
@@ -5,7 +5,7 @@
     <p:sldMasterId id="2147483648" r:id="rId1"/>
   </p:sldMasterIdLst>
   <p:notesMasterIdLst>
-    <p:notesMasterId r:id="rId12"/>
+    <p:notesMasterId r:id="rId14"/>
   </p:notesMasterIdLst>
   <p:sldIdLst>
     <p:sldId id="260" r:id="rId2"/>
@@ -18,6 +18,8 @@
     <p:sldId id="267" r:id="rId9"/>
     <p:sldId id="268" r:id="rId10"/>
     <p:sldId id="270" r:id="rId11"/>
+    <p:sldId id="271" r:id="rId12"/>
+    <p:sldId id="272" r:id="rId13"/>
   </p:sldIdLst>
   <p:sldSz cx="12192000" cy="6858000"/>
   <p:notesSz cx="6858000" cy="9144000"/>
@@ -217,7 +219,7 @@
           <a:p>
             <a:fld id="{564DAAA6-4117-4992-859F-BAA0EB4FC72C}" type="datetimeFigureOut">
               <a:rPr lang="en-US" smtClean="0"/>
-              <a:t>2/18/2019</a:t>
+              <a:t>2/28/2020</a:t>
             </a:fld>
             <a:endParaRPr lang="en-US"/>
           </a:p>
@@ -523,7 +525,7 @@
           </a:ln>
           <a:extLst>
             <a:ext uri="{909E8E84-426E-40dd-AFC4-6F175D3DCCD1}">
-              <a14:hiddenFill xmlns="" xmlns:a14="http://schemas.microsoft.com/office/drawing/2010/main">
+              <a14:hiddenFill xmlns:a14="http://schemas.microsoft.com/office/drawing/2010/main" xmlns="">
                 <a:solidFill>
                   <a:srgbClr val="FFFFFF"/>
                 </a:solidFill>
@@ -546,14 +548,14 @@
           <a:noFill/>
           <a:extLst>
             <a:ext uri="{909E8E84-426E-40dd-AFC4-6F175D3DCCD1}">
-              <a14:hiddenFill xmlns="" xmlns:a14="http://schemas.microsoft.com/office/drawing/2010/main">
+              <a14:hiddenFill xmlns:a14="http://schemas.microsoft.com/office/drawing/2010/main" xmlns="">
                 <a:solidFill>
                   <a:srgbClr val="FFFFFF"/>
                 </a:solidFill>
               </a14:hiddenFill>
             </a:ext>
             <a:ext uri="{91240B29-F687-4f45-9708-019B960494DF}">
-              <a14:hiddenLine xmlns="" xmlns:a14="http://schemas.microsoft.com/office/drawing/2010/main" w="9525">
+              <a14:hiddenLine xmlns:a14="http://schemas.microsoft.com/office/drawing/2010/main" xmlns="" w="9525">
                 <a:solidFill>
                   <a:srgbClr val="000000"/>
                 </a:solidFill>
@@ -595,14 +597,14 @@
           <a:noFill/>
           <a:extLst>
             <a:ext uri="{909E8E84-426E-40dd-AFC4-6F175D3DCCD1}">
-              <a14:hiddenFill xmlns="" xmlns:a14="http://schemas.microsoft.com/office/drawing/2010/main">
+              <a14:hiddenFill xmlns:a14="http://schemas.microsoft.com/office/drawing/2010/main" xmlns="">
                 <a:solidFill>
                   <a:srgbClr val="FFFFFF"/>
                 </a:solidFill>
               </a14:hiddenFill>
             </a:ext>
             <a:ext uri="{91240B29-F687-4f45-9708-019B960494DF}">
-              <a14:hiddenLine xmlns="" xmlns:a14="http://schemas.microsoft.com/office/drawing/2010/main" w="9525">
+              <a14:hiddenLine xmlns:a14="http://schemas.microsoft.com/office/drawing/2010/main" xmlns="" w="9525">
                 <a:solidFill>
                   <a:srgbClr val="000000"/>
                 </a:solidFill>
@@ -798,7 +800,7 @@
           </a:ln>
           <a:extLst>
             <a:ext uri="{909E8E84-426E-40dd-AFC4-6F175D3DCCD1}">
-              <a14:hiddenFill xmlns="" xmlns:a14="http://schemas.microsoft.com/office/drawing/2010/main">
+              <a14:hiddenFill xmlns:a14="http://schemas.microsoft.com/office/drawing/2010/main" xmlns="">
                 <a:solidFill>
                   <a:srgbClr val="FFFFFF"/>
                 </a:solidFill>
@@ -821,14 +823,14 @@
           <a:noFill/>
           <a:extLst>
             <a:ext uri="{909E8E84-426E-40dd-AFC4-6F175D3DCCD1}">
-              <a14:hiddenFill xmlns="" xmlns:a14="http://schemas.microsoft.com/office/drawing/2010/main">
+              <a14:hiddenFill xmlns:a14="http://schemas.microsoft.com/office/drawing/2010/main" xmlns="">
                 <a:solidFill>
                   <a:srgbClr val="FFFFFF"/>
                 </a:solidFill>
               </a14:hiddenFill>
             </a:ext>
             <a:ext uri="{91240B29-F687-4f45-9708-019B960494DF}">
-              <a14:hiddenLine xmlns="" xmlns:a14="http://schemas.microsoft.com/office/drawing/2010/main" w="9525">
+              <a14:hiddenLine xmlns:a14="http://schemas.microsoft.com/office/drawing/2010/main" xmlns="" w="9525">
                 <a:solidFill>
                   <a:srgbClr val="000000"/>
                 </a:solidFill>
@@ -870,14 +872,14 @@
           <a:noFill/>
           <a:extLst>
             <a:ext uri="{909E8E84-426E-40dd-AFC4-6F175D3DCCD1}">
-              <a14:hiddenFill xmlns="" xmlns:a14="http://schemas.microsoft.com/office/drawing/2010/main">
+              <a14:hiddenFill xmlns:a14="http://schemas.microsoft.com/office/drawing/2010/main" xmlns="">
                 <a:solidFill>
                   <a:srgbClr val="FFFFFF"/>
                 </a:solidFill>
               </a14:hiddenFill>
             </a:ext>
             <a:ext uri="{91240B29-F687-4f45-9708-019B960494DF}">
-              <a14:hiddenLine xmlns="" xmlns:a14="http://schemas.microsoft.com/office/drawing/2010/main" w="9525">
+              <a14:hiddenLine xmlns:a14="http://schemas.microsoft.com/office/drawing/2010/main" xmlns="" w="9525">
                 <a:solidFill>
                   <a:srgbClr val="000000"/>
                 </a:solidFill>
@@ -1167,7 +1169,7 @@
           <a:p>
             <a:fld id="{CF64A208-0694-964E-93B1-EAF2C4DF2BAD}" type="datetimeFigureOut">
               <a:rPr lang="en-US" smtClean="0"/>
-              <a:t>2/18/2019</a:t>
+              <a:t>2/28/2020</a:t>
             </a:fld>
             <a:endParaRPr lang="en-US"/>
           </a:p>
@@ -1374,7 +1376,7 @@
             <a:fld id="{CF64A208-0694-964E-93B1-EAF2C4DF2BAD}" type="datetimeFigureOut">
               <a:rPr lang="en-US" smtClean="0"/>
               <a:pPr/>
-              <a:t>2/18/2019</a:t>
+              <a:t>2/28/2020</a:t>
             </a:fld>
             <a:endParaRPr lang="en-US" dirty="0"/>
           </a:p>
@@ -1604,7 +1606,7 @@
             <a:fld id="{CF64A208-0694-964E-93B1-EAF2C4DF2BAD}" type="datetimeFigureOut">
               <a:rPr lang="en-US" smtClean="0"/>
               <a:pPr/>
-              <a:t>2/18/2019</a:t>
+              <a:t>2/28/2020</a:t>
             </a:fld>
             <a:endParaRPr lang="en-US" dirty="0"/>
           </a:p>
@@ -1817,7 +1819,7 @@
           <a:p>
             <a:fld id="{CF64A208-0694-964E-93B1-EAF2C4DF2BAD}" type="datetimeFigureOut">
               <a:rPr lang="en-US" smtClean="0"/>
-              <a:t>2/18/2019</a:t>
+              <a:t>2/28/2020</a:t>
             </a:fld>
             <a:endParaRPr lang="en-US"/>
           </a:p>
@@ -2072,7 +2074,7 @@
             <a:fld id="{CF64A208-0694-964E-93B1-EAF2C4DF2BAD}" type="datetimeFigureOut">
               <a:rPr lang="en-US" smtClean="0"/>
               <a:pPr/>
-              <a:t>2/18/2019</a:t>
+              <a:t>2/28/2020</a:t>
             </a:fld>
             <a:endParaRPr lang="en-US" dirty="0"/>
           </a:p>
@@ -2372,7 +2374,7 @@
           <a:p>
             <a:fld id="{CF64A208-0694-964E-93B1-EAF2C4DF2BAD}" type="datetimeFigureOut">
               <a:rPr lang="en-US" smtClean="0"/>
-              <a:t>2/18/2019</a:t>
+              <a:t>2/28/2020</a:t>
             </a:fld>
             <a:endParaRPr lang="en-US"/>
           </a:p>
@@ -2805,7 +2807,7 @@
             <a:fld id="{CF64A208-0694-964E-93B1-EAF2C4DF2BAD}" type="datetimeFigureOut">
               <a:rPr lang="en-US" smtClean="0"/>
               <a:pPr/>
-              <a:t>2/18/2019</a:t>
+              <a:t>2/28/2020</a:t>
             </a:fld>
             <a:endParaRPr lang="en-US" dirty="0"/>
           </a:p>
@@ -2948,7 +2950,7 @@
             <a:fld id="{CF64A208-0694-964E-93B1-EAF2C4DF2BAD}" type="datetimeFigureOut">
               <a:rPr lang="en-US" smtClean="0"/>
               <a:pPr/>
-              <a:t>2/18/2019</a:t>
+              <a:t>2/28/2020</a:t>
             </a:fld>
             <a:endParaRPr lang="en-US" dirty="0"/>
           </a:p>
@@ -3063,7 +3065,7 @@
             <a:fld id="{CF64A208-0694-964E-93B1-EAF2C4DF2BAD}" type="datetimeFigureOut">
               <a:rPr lang="en-US" smtClean="0"/>
               <a:pPr/>
-              <a:t>2/18/2019</a:t>
+              <a:t>2/28/2020</a:t>
             </a:fld>
             <a:endParaRPr lang="en-US" dirty="0"/>
           </a:p>
@@ -3372,7 +3374,7 @@
             <a:fld id="{CF64A208-0694-964E-93B1-EAF2C4DF2BAD}" type="datetimeFigureOut">
               <a:rPr lang="en-US" smtClean="0"/>
               <a:pPr/>
-              <a:t>2/18/2019</a:t>
+              <a:t>2/28/2020</a:t>
             </a:fld>
             <a:endParaRPr lang="en-US" dirty="0"/>
           </a:p>
@@ -3653,7 +3655,7 @@
             <a:fld id="{CF64A208-0694-964E-93B1-EAF2C4DF2BAD}" type="datetimeFigureOut">
               <a:rPr lang="en-US" smtClean="0"/>
               <a:pPr/>
-              <a:t>2/18/2019</a:t>
+              <a:t>2/28/2020</a:t>
             </a:fld>
             <a:endParaRPr lang="en-US" dirty="0"/>
           </a:p>
@@ -3877,7 +3879,7 @@
           <a:p>
             <a:fld id="{CF64A208-0694-964E-93B1-EAF2C4DF2BAD}" type="datetimeFigureOut">
               <a:rPr lang="en-US" smtClean="0"/>
-              <a:t>2/18/2019</a:t>
+              <a:t>2/28/2020</a:t>
             </a:fld>
             <a:endParaRPr lang="en-US"/>
           </a:p>
@@ -4986,7 +4988,7 @@
             </a:r>
             <a:r>
               <a:rPr lang="en-US" sz="1800" dirty="0"/>
-              <a:t>[v1]+=(</a:t>
+              <a:t>[v1]=(</a:t>
             </a:r>
             <a:r>
               <a:rPr lang="en-US" sz="1800" dirty="0" err="1"/>
@@ -5005,7 +5007,7 @@
             </a:r>
             <a:r>
               <a:rPr lang="en-US" sz="1800" dirty="0"/>
-              <a:t>[v2]+=(</a:t>
+              <a:t>[v2]=(</a:t>
             </a:r>
             <a:r>
               <a:rPr lang="en-US" sz="1800" dirty="0" err="1"/>
@@ -5024,7 +5026,7 @@
             </a:r>
             <a:r>
               <a:rPr lang="en-US" sz="1800" dirty="0"/>
-              <a:t>[v3]+=(</a:t>
+              <a:t>[v3]=(</a:t>
             </a:r>
             <a:r>
               <a:rPr lang="en-US" sz="1800" dirty="0" err="1"/>
@@ -5077,7 +5079,7 @@
         </p:nvGrpSpPr>
         <p:grpSpPr>
           <a:xfrm>
-            <a:off x="8306852" y="2637369"/>
+            <a:off x="8584664" y="5213434"/>
             <a:ext cx="3306762" cy="1419226"/>
             <a:chOff x="1858962" y="4296645"/>
             <a:chExt cx="3306762" cy="1419226"/>
@@ -5194,7 +5196,7 @@
             </a:ln>
             <a:extLst>
               <a:ext uri="{909E8E84-426E-40dd-AFC4-6F175D3DCCD1}">
-                <a14:hiddenFill xmlns="" xmlns:a14="http://schemas.microsoft.com/office/drawing/2010/main">
+                <a14:hiddenFill xmlns:a14="http://schemas.microsoft.com/office/drawing/2010/main" xmlns="">
                   <a:solidFill>
                     <a:srgbClr val="FFFFFF"/>
                   </a:solidFill>
@@ -5985,6 +5987,463 @@
 </p:sld>
 </file>
 
+<file path=ppt/slides/slide11.xml><?xml version="1.0" encoding="utf-8"?>
+<p:sld xmlns:a="http://schemas.openxmlformats.org/drawingml/2006/main" xmlns:r="http://schemas.openxmlformats.org/officeDocument/2006/relationships" xmlns:p="http://schemas.openxmlformats.org/presentationml/2006/main">
+  <p:cSld>
+    <p:spTree>
+      <p:nvGrpSpPr>
+        <p:cNvPr id="1" name=""/>
+        <p:cNvGrpSpPr/>
+        <p:nvPr/>
+      </p:nvGrpSpPr>
+      <p:grpSpPr>
+        <a:xfrm>
+          <a:off x="0" y="0"/>
+          <a:ext cx="0" cy="0"/>
+          <a:chOff x="0" y="0"/>
+          <a:chExt cx="0" cy="0"/>
+        </a:xfrm>
+      </p:grpSpPr>
+      <p:sp>
+        <p:nvSpPr>
+          <p:cNvPr id="2" name="Title 1">
+            <a:extLst>
+              <a:ext uri="{FF2B5EF4-FFF2-40B4-BE49-F238E27FC236}">
+                <a16:creationId xmlns:a16="http://schemas.microsoft.com/office/drawing/2014/main" id="{B2F860A0-F75C-407E-A446-14FE83B4359D}"/>
+              </a:ext>
+            </a:extLst>
+          </p:cNvPr>
+          <p:cNvSpPr>
+            <a:spLocks noGrp="1"/>
+          </p:cNvSpPr>
+          <p:nvPr>
+            <p:ph type="title"/>
+          </p:nvPr>
+        </p:nvSpPr>
+        <p:spPr>
+          <a:xfrm>
+            <a:off x="0" y="23933"/>
+            <a:ext cx="10515600" cy="1325563"/>
+          </a:xfrm>
+        </p:spPr>
+        <p:txBody>
+          <a:bodyPr/>
+          <a:lstStyle/>
+          <a:p>
+            <a:r>
+              <a:rPr lang="en-US" dirty="0"/>
+              <a:t>Average Vertex </a:t>
+            </a:r>
+            <a:r>
+              <a:rPr lang="en-US" dirty="0" err="1"/>
+              <a:t>Normals</a:t>
+            </a:r>
+            <a:endParaRPr lang="en-US" dirty="0"/>
+          </a:p>
+        </p:txBody>
+      </p:sp>
+      <mc:AlternateContent xmlns:mc="http://schemas.openxmlformats.org/markup-compatibility/2006">
+        <mc:Choice xmlns:a14="http://schemas.microsoft.com/office/drawing/2010/main" Requires="a14">
+          <p:sp>
+            <p:nvSpPr>
+              <p:cNvPr id="3" name="Content Placeholder 2">
+                <a:extLst>
+                  <a:ext uri="{FF2B5EF4-FFF2-40B4-BE49-F238E27FC236}">
+                    <a16:creationId xmlns:a16="http://schemas.microsoft.com/office/drawing/2014/main" id="{3754F9CC-02E9-4071-BE2F-286BCC3DA9BC}"/>
+                  </a:ext>
+                </a:extLst>
+              </p:cNvPr>
+              <p:cNvSpPr>
+                <a:spLocks noGrp="1"/>
+              </p:cNvSpPr>
+              <p:nvPr>
+                <p:ph idx="1"/>
+              </p:nvPr>
+            </p:nvSpPr>
+            <p:spPr>
+              <a:xfrm>
+                <a:off x="101220" y="1253331"/>
+                <a:ext cx="11908809" cy="4351338"/>
+              </a:xfrm>
+            </p:spPr>
+            <p:txBody>
+              <a:bodyPr/>
+              <a:lstStyle/>
+              <a:p>
+                <a:pPr marL="0" indent="0">
+                  <a:buNone/>
+                </a:pPr>
+                <a:r>
+                  <a:rPr lang="en-US" dirty="0"/>
+                  <a:t>The previous algorithm calculates an area weighted average normal </a:t>
+                </a:r>
+              </a:p>
+              <a:p>
+                <a:pPr marL="0" indent="0">
+                  <a:buNone/>
+                </a:pPr>
+                <a:endParaRPr lang="en-US" dirty="0"/>
+              </a:p>
+              <a:p>
+                <a:pPr marL="0" indent="0">
+                  <a:buNone/>
+                </a:pPr>
+                <a:r>
+                  <a:rPr lang="en-US" dirty="0"/>
+                  <a:t>If a and b two edges of a triangle and A is the are of the triangle</a:t>
+                </a:r>
+                <a:br>
+                  <a:rPr lang="en-US" dirty="0"/>
+                </a:br>
+                <a:r>
+                  <a:rPr lang="en-US" dirty="0"/>
+                  <a:t>	</a:t>
+                </a:r>
+                <a:br>
+                  <a:rPr lang="en-US" dirty="0"/>
+                </a:br>
+                <a14:m>
+                  <m:oMathPara xmlns:m="http://schemas.openxmlformats.org/officeDocument/2006/math">
+                    <m:oMathParaPr>
+                      <m:jc m:val="centerGroup"/>
+                    </m:oMathParaPr>
+                    <m:oMath xmlns:m="http://schemas.openxmlformats.org/officeDocument/2006/math">
+                      <m:d>
+                        <m:dPr>
+                          <m:begChr m:val="‖"/>
+                          <m:endChr m:val="‖"/>
+                          <m:ctrlPr>
+                            <a:rPr lang="en-US" sz="4000" i="1" smtClean="0">
+                              <a:latin typeface="Cambria Math" panose="02040503050406030204" pitchFamily="18" charset="0"/>
+                            </a:rPr>
+                          </m:ctrlPr>
+                        </m:dPr>
+                        <m:e>
+                          <m:r>
+                            <a:rPr lang="en-US" sz="4000" b="0" i="1" smtClean="0">
+                              <a:latin typeface="Cambria Math" panose="02040503050406030204" pitchFamily="18" charset="0"/>
+                            </a:rPr>
+                            <m:t>𝑎</m:t>
+                          </m:r>
+                          <m:r>
+                            <a:rPr lang="en-US" sz="4000" b="0" i="1" smtClean="0">
+                              <a:latin typeface="Cambria Math" panose="02040503050406030204" pitchFamily="18" charset="0"/>
+                              <a:ea typeface="Cambria Math" panose="02040503050406030204" pitchFamily="18" charset="0"/>
+                            </a:rPr>
+                            <m:t>×</m:t>
+                          </m:r>
+                          <m:r>
+                            <a:rPr lang="en-US" sz="4000" b="0" i="1" smtClean="0">
+                              <a:latin typeface="Cambria Math" panose="02040503050406030204" pitchFamily="18" charset="0"/>
+                              <a:ea typeface="Cambria Math" panose="02040503050406030204" pitchFamily="18" charset="0"/>
+                            </a:rPr>
+                            <m:t>𝑏</m:t>
+                          </m:r>
+                        </m:e>
+                      </m:d>
+                      <m:r>
+                        <a:rPr lang="en-US" sz="4000" b="0" i="1" smtClean="0">
+                          <a:latin typeface="Cambria Math" panose="02040503050406030204" pitchFamily="18" charset="0"/>
+                        </a:rPr>
+                        <m:t>=2</m:t>
+                      </m:r>
+                      <m:r>
+                        <a:rPr lang="en-US" sz="4000" b="0" i="1" smtClean="0">
+                          <a:latin typeface="Cambria Math" panose="02040503050406030204" pitchFamily="18" charset="0"/>
+                        </a:rPr>
+                        <m:t>𝐴</m:t>
+                      </m:r>
+                    </m:oMath>
+                  </m:oMathPara>
+                </a14:m>
+                <a:endParaRPr lang="en-US" dirty="0"/>
+              </a:p>
+              <a:p>
+                <a:pPr marL="0" indent="0">
+                  <a:buNone/>
+                </a:pPr>
+                <a:endParaRPr lang="en-US" dirty="0"/>
+              </a:p>
+              <a:p>
+                <a:pPr marL="0" indent="0">
+                  <a:buNone/>
+                </a:pPr>
+                <a:endParaRPr lang="en-US" dirty="0"/>
+              </a:p>
+            </p:txBody>
+          </p:sp>
+        </mc:Choice>
+        <mc:Fallback>
+          <p:sp>
+            <p:nvSpPr>
+              <p:cNvPr id="3" name="Content Placeholder 2">
+                <a:extLst>
+                  <a:ext uri="{FF2B5EF4-FFF2-40B4-BE49-F238E27FC236}">
+                    <a16:creationId xmlns:a16="http://schemas.microsoft.com/office/drawing/2014/main" id="{3754F9CC-02E9-4071-BE2F-286BCC3DA9BC}"/>
+                  </a:ext>
+                </a:extLst>
+              </p:cNvPr>
+              <p:cNvSpPr>
+                <a:spLocks noGrp="1" noRot="1" noChangeAspect="1" noMove="1" noResize="1" noEditPoints="1" noAdjustHandles="1" noChangeArrowheads="1" noChangeShapeType="1" noTextEdit="1"/>
+              </p:cNvSpPr>
+              <p:nvPr>
+                <p:ph idx="1"/>
+              </p:nvPr>
+            </p:nvSpPr>
+            <p:spPr>
+              <a:xfrm>
+                <a:off x="101220" y="1253331"/>
+                <a:ext cx="11908809" cy="4351338"/>
+              </a:xfrm>
+              <a:blipFill>
+                <a:blip r:embed="rId2"/>
+                <a:stretch>
+                  <a:fillRect l="-1075" t="-2525"/>
+                </a:stretch>
+              </a:blipFill>
+            </p:spPr>
+            <p:txBody>
+              <a:bodyPr/>
+              <a:lstStyle/>
+              <a:p>
+                <a:r>
+                  <a:rPr lang="en-US">
+                    <a:noFill/>
+                  </a:rPr>
+                  <a:t> </a:t>
+                </a:r>
+              </a:p>
+            </p:txBody>
+          </p:sp>
+        </mc:Fallback>
+      </mc:AlternateContent>
+      <p:pic>
+        <p:nvPicPr>
+          <p:cNvPr id="5" name="Picture 4" descr="A close up of a sign&#10;&#10;Description automatically generated">
+            <a:extLst>
+              <a:ext uri="{FF2B5EF4-FFF2-40B4-BE49-F238E27FC236}">
+                <a16:creationId xmlns:a16="http://schemas.microsoft.com/office/drawing/2014/main" id="{A6C52E2F-B76F-40EF-A979-0EDF0EDE6DBD}"/>
+              </a:ext>
+            </a:extLst>
+          </p:cNvPr>
+          <p:cNvPicPr>
+            <a:picLocks noChangeAspect="1"/>
+          </p:cNvPicPr>
+          <p:nvPr/>
+        </p:nvPicPr>
+        <p:blipFill>
+          <a:blip r:embed="rId3"/>
+          <a:stretch>
+            <a:fillRect/>
+          </a:stretch>
+        </p:blipFill>
+        <p:spPr>
+          <a:xfrm>
+            <a:off x="7476129" y="2765425"/>
+            <a:ext cx="4533900" cy="3943350"/>
+          </a:xfrm>
+          <a:prstGeom prst="rect">
+            <a:avLst/>
+          </a:prstGeom>
+        </p:spPr>
+      </p:pic>
+    </p:spTree>
+    <p:extLst>
+      <p:ext uri="{BB962C8B-B14F-4D97-AF65-F5344CB8AC3E}">
+        <p14:creationId xmlns:p14="http://schemas.microsoft.com/office/powerpoint/2010/main" val="2871982646"/>
+      </p:ext>
+    </p:extLst>
+  </p:cSld>
+  <p:clrMapOvr>
+    <a:masterClrMapping/>
+  </p:clrMapOvr>
+</p:sld>
+</file>
+
+<file path=ppt/slides/slide12.xml><?xml version="1.0" encoding="utf-8"?>
+<p:sld xmlns:a="http://schemas.openxmlformats.org/drawingml/2006/main" xmlns:r="http://schemas.openxmlformats.org/officeDocument/2006/relationships" xmlns:p="http://schemas.openxmlformats.org/presentationml/2006/main">
+  <p:cSld>
+    <p:spTree>
+      <p:nvGrpSpPr>
+        <p:cNvPr id="1" name=""/>
+        <p:cNvGrpSpPr/>
+        <p:nvPr/>
+      </p:nvGrpSpPr>
+      <p:grpSpPr>
+        <a:xfrm>
+          <a:off x="0" y="0"/>
+          <a:ext cx="0" cy="0"/>
+          <a:chOff x="0" y="0"/>
+          <a:chExt cx="0" cy="0"/>
+        </a:xfrm>
+      </p:grpSpPr>
+      <p:sp>
+        <p:nvSpPr>
+          <p:cNvPr id="2" name="Title 1">
+            <a:extLst>
+              <a:ext uri="{FF2B5EF4-FFF2-40B4-BE49-F238E27FC236}">
+                <a16:creationId xmlns:a16="http://schemas.microsoft.com/office/drawing/2014/main" id="{A1CC9094-54F7-4D6F-8017-0C520D969D8A}"/>
+              </a:ext>
+            </a:extLst>
+          </p:cNvPr>
+          <p:cNvSpPr>
+            <a:spLocks noGrp="1"/>
+          </p:cNvSpPr>
+          <p:nvPr>
+            <p:ph type="title"/>
+          </p:nvPr>
+        </p:nvSpPr>
+        <p:spPr>
+          <a:xfrm>
+            <a:off x="546100" y="47627"/>
+            <a:ext cx="10515600" cy="1325563"/>
+          </a:xfrm>
+        </p:spPr>
+        <p:txBody>
+          <a:bodyPr/>
+          <a:lstStyle/>
+          <a:p>
+            <a:r>
+              <a:rPr lang="en-US" dirty="0"/>
+              <a:t>Average Vertex </a:t>
+            </a:r>
+            <a:r>
+              <a:rPr lang="en-US" dirty="0" err="1"/>
+              <a:t>Normals</a:t>
+            </a:r>
+            <a:endParaRPr lang="en-US" dirty="0"/>
+          </a:p>
+        </p:txBody>
+      </p:sp>
+      <p:sp>
+        <p:nvSpPr>
+          <p:cNvPr id="3" name="Content Placeholder 2">
+            <a:extLst>
+              <a:ext uri="{FF2B5EF4-FFF2-40B4-BE49-F238E27FC236}">
+                <a16:creationId xmlns:a16="http://schemas.microsoft.com/office/drawing/2014/main" id="{29A8529A-A4B6-4FDB-9C72-924CA3B41CE0}"/>
+              </a:ext>
+            </a:extLst>
+          </p:cNvPr>
+          <p:cNvSpPr>
+            <a:spLocks noGrp="1"/>
+          </p:cNvSpPr>
+          <p:nvPr>
+            <p:ph idx="1"/>
+          </p:nvPr>
+        </p:nvSpPr>
+        <p:spPr>
+          <a:xfrm>
+            <a:off x="0" y="1295398"/>
+            <a:ext cx="12014200" cy="5514975"/>
+          </a:xfrm>
+        </p:spPr>
+        <p:txBody>
+          <a:bodyPr/>
+          <a:lstStyle/>
+          <a:p>
+            <a:pPr marL="0" indent="0">
+              <a:buNone/>
+            </a:pPr>
+            <a:r>
+              <a:rPr lang="en-US" dirty="0"/>
+              <a:t>There is no single “correct” way to calculate the average vertex normal</a:t>
+            </a:r>
+          </a:p>
+          <a:p>
+            <a:pPr marL="0" indent="0">
+              <a:buNone/>
+            </a:pPr>
+            <a:r>
+              <a:rPr lang="en-US" dirty="0"/>
+              <a:t>Assuming that the mesh is approximating a smooth surface we could:</a:t>
+            </a:r>
+            <a:br>
+              <a:rPr lang="en-US" dirty="0"/>
+            </a:br>
+            <a:endParaRPr lang="en-US" dirty="0"/>
+          </a:p>
+          <a:p>
+            <a:r>
+              <a:rPr lang="en-US" dirty="0"/>
+              <a:t>Use a uniformly weighted average</a:t>
+            </a:r>
+          </a:p>
+          <a:p>
+            <a:pPr lvl="1"/>
+            <a:r>
+              <a:rPr lang="en-US" dirty="0"/>
+              <a:t> by making each triangle normal unit length before adding it in</a:t>
+            </a:r>
+          </a:p>
+          <a:p>
+            <a:r>
+              <a:rPr lang="en-US" dirty="0"/>
+              <a:t>Use triangle area weighting</a:t>
+            </a:r>
+          </a:p>
+          <a:p>
+            <a:pPr lvl="1"/>
+            <a:r>
+              <a:rPr lang="en-US" dirty="0"/>
+              <a:t> by scaling each triangle normal by a factor of ½</a:t>
+            </a:r>
+          </a:p>
+          <a:p>
+            <a:r>
+              <a:rPr lang="en-US" dirty="0"/>
+              <a:t>Use parallelogram area weighting</a:t>
+            </a:r>
+          </a:p>
+          <a:p>
+            <a:pPr lvl="1"/>
+            <a:r>
+              <a:rPr lang="en-US" dirty="0"/>
+              <a:t>by just using the normal resulting from the cross product</a:t>
+            </a:r>
+            <a:br>
+              <a:rPr lang="en-US" dirty="0"/>
+            </a:br>
+            <a:endParaRPr lang="en-US" dirty="0"/>
+          </a:p>
+          <a:p>
+            <a:pPr marL="0" indent="0">
+              <a:buNone/>
+            </a:pPr>
+            <a:r>
+              <a:rPr lang="en-US" dirty="0"/>
+              <a:t>All of these methods are approximations and have tradeoffs</a:t>
+            </a:r>
+          </a:p>
+          <a:p>
+            <a:pPr marL="0" indent="0">
+              <a:buNone/>
+            </a:pPr>
+            <a:r>
+              <a:rPr lang="en-US" dirty="0"/>
+              <a:t>Triangle area weighting is probably most commonly used </a:t>
+            </a:r>
+          </a:p>
+          <a:p>
+            <a:pPr marL="0" indent="0">
+              <a:buNone/>
+            </a:pPr>
+            <a:endParaRPr lang="en-US" dirty="0"/>
+          </a:p>
+        </p:txBody>
+      </p:sp>
+    </p:spTree>
+    <p:extLst>
+      <p:ext uri="{BB962C8B-B14F-4D97-AF65-F5344CB8AC3E}">
+        <p14:creationId xmlns:p14="http://schemas.microsoft.com/office/powerpoint/2010/main" val="1797316060"/>
+      </p:ext>
+    </p:extLst>
+  </p:cSld>
+  <p:clrMapOvr>
+    <a:masterClrMapping/>
+  </p:clrMapOvr>
+</p:sld>
+</file>
+
 <file path=ppt/slides/slide2.xml><?xml version="1.0" encoding="utf-8"?>
 <p:sld xmlns:a="http://schemas.openxmlformats.org/drawingml/2006/main" xmlns:r="http://schemas.openxmlformats.org/officeDocument/2006/relationships" xmlns:p="http://schemas.openxmlformats.org/presentationml/2006/main">
   <p:cSld>
@@ -6047,14 +6506,14 @@
           </a:ln>
           <a:extLst>
             <a:ext uri="{909E8E84-426E-40dd-AFC4-6F175D3DCCD1}">
-              <a14:hiddenFill xmlns="" xmlns:a14="http://schemas.microsoft.com/office/drawing/2010/main">
+              <a14:hiddenFill xmlns:a14="http://schemas.microsoft.com/office/drawing/2010/main" xmlns="">
                 <a:solidFill>
                   <a:srgbClr val="FFFFFF"/>
                 </a:solidFill>
               </a14:hiddenFill>
             </a:ext>
             <a:ext uri="{91240B29-F687-4f45-9708-019B960494DF}">
-              <a14:hiddenLine xmlns="" xmlns:a14="http://schemas.microsoft.com/office/drawing/2010/main" w="9525">
+              <a14:hiddenLine xmlns:a14="http://schemas.microsoft.com/office/drawing/2010/main" xmlns="" w="9525">
                 <a:solidFill>
                   <a:srgbClr val="000000"/>
                 </a:solidFill>
@@ -6317,14 +6776,14 @@
           </a:ln>
           <a:extLst>
             <a:ext uri="{909E8E84-426E-40dd-AFC4-6F175D3DCCD1}">
-              <a14:hiddenFill xmlns="" xmlns:a14="http://schemas.microsoft.com/office/drawing/2010/main">
+              <a14:hiddenFill xmlns:a14="http://schemas.microsoft.com/office/drawing/2010/main" xmlns="">
                 <a:solidFill>
                   <a:srgbClr val="FFFFFF"/>
                 </a:solidFill>
               </a14:hiddenFill>
             </a:ext>
             <a:ext uri="{91240B29-F687-4f45-9708-019B960494DF}">
-              <a14:hiddenLine xmlns="" xmlns:a14="http://schemas.microsoft.com/office/drawing/2010/main" w="9525">
+              <a14:hiddenLine xmlns:a14="http://schemas.microsoft.com/office/drawing/2010/main" xmlns="" w="9525">
                 <a:solidFill>
                   <a:srgbClr val="000000"/>
                 </a:solidFill>
@@ -6441,7 +6900,7 @@
           </a:ln>
           <a:extLst>
             <a:ext uri="{909E8E84-426E-40dd-AFC4-6F175D3DCCD1}">
-              <a14:hiddenFill xmlns="" xmlns:a14="http://schemas.microsoft.com/office/drawing/2010/main">
+              <a14:hiddenFill xmlns:a14="http://schemas.microsoft.com/office/drawing/2010/main" xmlns="">
                 <a:solidFill>
                   <a:srgbClr val="FFFFFF"/>
                 </a:solidFill>
@@ -7310,14 +7769,14 @@
           </a:ln>
           <a:extLst>
             <a:ext uri="{909E8E84-426E-40dd-AFC4-6F175D3DCCD1}">
-              <a14:hiddenFill xmlns="" xmlns:a14="http://schemas.microsoft.com/office/drawing/2010/main">
+              <a14:hiddenFill xmlns:a14="http://schemas.microsoft.com/office/drawing/2010/main" xmlns="">
                 <a:solidFill>
                   <a:srgbClr val="FFFFFF"/>
                 </a:solidFill>
               </a14:hiddenFill>
             </a:ext>
             <a:ext uri="{91240B29-F687-4f45-9708-019B960494DF}">
-              <a14:hiddenLine xmlns="" xmlns:a14="http://schemas.microsoft.com/office/drawing/2010/main" w="9525">
+              <a14:hiddenLine xmlns:a14="http://schemas.microsoft.com/office/drawing/2010/main" xmlns="" w="9525">
                 <a:solidFill>
                   <a:srgbClr val="000000"/>
                 </a:solidFill>
@@ -7914,7 +8373,7 @@
         </p:spPr>
         <p:txBody>
           <a:bodyPr>
-            <a:normAutofit fontScale="85000" lnSpcReduction="10000"/>
+            <a:normAutofit fontScale="92500" lnSpcReduction="20000"/>
           </a:bodyPr>
           <a:lstStyle/>
           <a:p>
